--- a/Flutter_Testing.pptx
+++ b/Flutter_Testing.pptx
@@ -320,7 +320,7 @@
           <a:p>
             <a:fld id="{96DFF08F-DC6B-4601-B491-B0F83F6DD2DA}" type="datetimeFigureOut">
               <a:rPr lang="en-US" dirty="0"/>
-              <a:t>6/14/2020</a:t>
+              <a:t>6/15/2020</a:t>
             </a:fld>
             <a:endParaRPr lang="en-US" dirty="0"/>
           </a:p>
@@ -488,7 +488,7 @@
           <a:p>
             <a:fld id="{96DFF08F-DC6B-4601-B491-B0F83F6DD2DA}" type="datetimeFigureOut">
               <a:rPr lang="en-US" dirty="0"/>
-              <a:t>6/14/2020</a:t>
+              <a:t>6/15/2020</a:t>
             </a:fld>
             <a:endParaRPr lang="en-US" dirty="0"/>
           </a:p>
@@ -709,7 +709,7 @@
           <a:p>
             <a:fld id="{96DFF08F-DC6B-4601-B491-B0F83F6DD2DA}" type="datetimeFigureOut">
               <a:rPr lang="en-US" dirty="0"/>
-              <a:t>6/14/2020</a:t>
+              <a:t>6/15/2020</a:t>
             </a:fld>
             <a:endParaRPr lang="en-US" dirty="0"/>
           </a:p>
@@ -887,7 +887,7 @@
           <a:p>
             <a:fld id="{96DFF08F-DC6B-4601-B491-B0F83F6DD2DA}" type="datetimeFigureOut">
               <a:rPr lang="en-US" dirty="0"/>
-              <a:t>6/14/2020</a:t>
+              <a:t>6/15/2020</a:t>
             </a:fld>
             <a:endParaRPr lang="en-US" dirty="0"/>
           </a:p>
@@ -1193,7 +1193,7 @@
             <a:fld id="{96DFF08F-DC6B-4601-B491-B0F83F6DD2DA}" type="datetimeFigureOut">
               <a:rPr lang="en-US" dirty="0"/>
               <a:pPr/>
-              <a:t>6/14/2020</a:t>
+              <a:t>6/15/2020</a:t>
             </a:fld>
             <a:endParaRPr lang="en-US" dirty="0"/>
           </a:p>
@@ -1495,7 +1495,7 @@
           <a:p>
             <a:fld id="{96DFF08F-DC6B-4601-B491-B0F83F6DD2DA}" type="datetimeFigureOut">
               <a:rPr lang="en-US" dirty="0"/>
-              <a:t>6/14/2020</a:t>
+              <a:t>6/15/2020</a:t>
             </a:fld>
             <a:endParaRPr lang="en-US" dirty="0"/>
           </a:p>
@@ -1914,7 +1914,7 @@
           <a:p>
             <a:fld id="{96DFF08F-DC6B-4601-B491-B0F83F6DD2DA}" type="datetimeFigureOut">
               <a:rPr lang="en-US" dirty="0"/>
-              <a:t>6/14/2020</a:t>
+              <a:t>6/15/2020</a:t>
             </a:fld>
             <a:endParaRPr lang="en-US" dirty="0"/>
           </a:p>
@@ -2031,7 +2031,7 @@
           <a:p>
             <a:fld id="{96DFF08F-DC6B-4601-B491-B0F83F6DD2DA}" type="datetimeFigureOut">
               <a:rPr lang="en-US" dirty="0"/>
-              <a:t>6/14/2020</a:t>
+              <a:t>6/15/2020</a:t>
             </a:fld>
             <a:endParaRPr lang="en-US" dirty="0"/>
           </a:p>
@@ -2126,7 +2126,7 @@
           <a:p>
             <a:fld id="{96DFF08F-DC6B-4601-B491-B0F83F6DD2DA}" type="datetimeFigureOut">
               <a:rPr lang="en-US" dirty="0"/>
-              <a:t>6/14/2020</a:t>
+              <a:t>6/15/2020</a:t>
             </a:fld>
             <a:endParaRPr lang="en-US" dirty="0"/>
           </a:p>
@@ -2397,7 +2397,7 @@
           <a:p>
             <a:fld id="{96DFF08F-DC6B-4601-B491-B0F83F6DD2DA}" type="datetimeFigureOut">
               <a:rPr lang="en-US" dirty="0"/>
-              <a:t>6/14/2020</a:t>
+              <a:t>6/15/2020</a:t>
             </a:fld>
             <a:endParaRPr lang="en-US" dirty="0"/>
           </a:p>
@@ -2657,7 +2657,7 @@
           <a:p>
             <a:fld id="{96DFF08F-DC6B-4601-B491-B0F83F6DD2DA}" type="datetimeFigureOut">
               <a:rPr lang="en-US" dirty="0"/>
-              <a:t>6/14/2020</a:t>
+              <a:t>6/15/2020</a:t>
             </a:fld>
             <a:endParaRPr lang="en-US" dirty="0"/>
           </a:p>
@@ -2905,7 +2905,7 @@
             <a:fld id="{96DFF08F-DC6B-4601-B491-B0F83F6DD2DA}" type="datetimeFigureOut">
               <a:rPr lang="en-US" dirty="0"/>
               <a:pPr/>
-              <a:t>6/14/2020</a:t>
+              <a:t>6/15/2020</a:t>
             </a:fld>
             <a:endParaRPr lang="en-US" dirty="0"/>
           </a:p>
@@ -6571,13 +6571,25 @@
           <a:p>
             <a:pPr lvl="1"/>
             <a:r>
-              <a:rPr lang="en-US" dirty="0">
+              <a:rPr lang="de-DE" dirty="0">
                 <a:solidFill>
                   <a:schemeClr val="tx2"/>
                 </a:solidFill>
+                <a:hlinkClick r:id="rId2">
+                  <a:extLst>
+                    <a:ext uri="{A12FA001-AC4F-418D-AE19-62706E023703}">
+                      <ahyp:hlinkClr xmlns:ahyp="http://schemas.microsoft.com/office/drawing/2018/hyperlinkcolor" val="tx"/>
+                    </a:ext>
+                  </a:extLst>
+                </a:hlinkClick>
               </a:rPr>
-              <a:t>Link</a:t>
-            </a:r>
+              <a:t>https://github.com/JoschuaGoetz/se_flutter_testing#installation</a:t>
+            </a:r>
+            <a:endParaRPr lang="en-US" dirty="0">
+              <a:solidFill>
+                <a:schemeClr val="tx2"/>
+              </a:solidFill>
+            </a:endParaRPr>
           </a:p>
         </p:txBody>
       </p:sp>
@@ -9741,9 +9753,12 @@
 </file>
 
 <file path=customXml/item1.xml><?xml version="1.0" encoding="utf-8"?>
-<p:properties xmlns:p="http://schemas.microsoft.com/office/2006/metadata/properties" xmlns:xsi="http://www.w3.org/2001/XMLSchema-instance" xmlns:pc="http://schemas.microsoft.com/office/infopath/2007/PartnerControls">
-  <documentManagement/>
-</p:properties>
+<?mso-contentType ?>
+<FormTemplates xmlns="http://schemas.microsoft.com/sharepoint/v3/contenttype/forms">
+  <Display>DocumentLibraryForm</Display>
+  <Edit>DocumentLibraryForm</Edit>
+  <New>DocumentLibraryForm</New>
+</FormTemplates>
 </file>
 
 <file path=customXml/item2.xml><?xml version="1.0" encoding="utf-8"?>
@@ -9970,27 +9985,15 @@
 </file>
 
 <file path=customXml/item3.xml><?xml version="1.0" encoding="utf-8"?>
-<?mso-contentType ?>
-<FormTemplates xmlns="http://schemas.microsoft.com/sharepoint/v3/contenttype/forms">
-  <Display>DocumentLibraryForm</Display>
-  <Edit>DocumentLibraryForm</Edit>
-  <New>DocumentLibraryForm</New>
-</FormTemplates>
+<p:properties xmlns:p="http://schemas.microsoft.com/office/2006/metadata/properties" xmlns:xsi="http://www.w3.org/2001/XMLSchema-instance" xmlns:pc="http://schemas.microsoft.com/office/infopath/2007/PartnerControls">
+  <documentManagement/>
+</p:properties>
 </file>
 
 <file path=customXml/itemProps1.xml><?xml version="1.0" encoding="utf-8"?>
-<ds:datastoreItem xmlns:ds="http://schemas.openxmlformats.org/officeDocument/2006/customXml" ds:itemID="{284944F7-28D6-4758-B428-8293EEC2C099}">
+<ds:datastoreItem xmlns:ds="http://schemas.openxmlformats.org/officeDocument/2006/customXml" ds:itemID="{3FAC3128-20F5-4F5B-A021-B6A836126C81}">
   <ds:schemaRefs>
-    <ds:schemaRef ds:uri="http://purl.org/dc/elements/1.1/"/>
-    <ds:schemaRef ds:uri="http://www.w3.org/XML/1998/namespace"/>
-    <ds:schemaRef ds:uri="http://schemas.microsoft.com/office/2006/metadata/properties"/>
-    <ds:schemaRef ds:uri="http://schemas.microsoft.com/office/2006/documentManagement/types"/>
-    <ds:schemaRef ds:uri="http://schemas.microsoft.com/office/infopath/2007/PartnerControls"/>
-    <ds:schemaRef ds:uri="http://schemas.openxmlformats.org/package/2006/metadata/core-properties"/>
-    <ds:schemaRef ds:uri="http://purl.org/dc/terms/"/>
-    <ds:schemaRef ds:uri="459ff6b8-b741-41a8-b060-423fa943964c"/>
-    <ds:schemaRef ds:uri="ae7d7acd-f1bb-43dd-913e-9306b920374d"/>
-    <ds:schemaRef ds:uri="http://purl.org/dc/dcmitype/"/>
+    <ds:schemaRef ds:uri="http://schemas.microsoft.com/sharepoint/v3/contenttype/forms"/>
   </ds:schemaRefs>
 </ds:datastoreItem>
 </file>
@@ -10015,9 +10018,18 @@
 </file>
 
 <file path=customXml/itemProps3.xml><?xml version="1.0" encoding="utf-8"?>
-<ds:datastoreItem xmlns:ds="http://schemas.openxmlformats.org/officeDocument/2006/customXml" ds:itemID="{3FAC3128-20F5-4F5B-A021-B6A836126C81}">
+<ds:datastoreItem xmlns:ds="http://schemas.openxmlformats.org/officeDocument/2006/customXml" ds:itemID="{284944F7-28D6-4758-B428-8293EEC2C099}">
   <ds:schemaRefs>
-    <ds:schemaRef ds:uri="http://schemas.microsoft.com/sharepoint/v3/contenttype/forms"/>
+    <ds:schemaRef ds:uri="http://purl.org/dc/dcmitype/"/>
+    <ds:schemaRef ds:uri="http://www.w3.org/XML/1998/namespace"/>
+    <ds:schemaRef ds:uri="http://purl.org/dc/terms/"/>
+    <ds:schemaRef ds:uri="http://schemas.microsoft.com/office/2006/metadata/properties"/>
+    <ds:schemaRef ds:uri="http://schemas.microsoft.com/office/infopath/2007/PartnerControls"/>
+    <ds:schemaRef ds:uri="459ff6b8-b741-41a8-b060-423fa943964c"/>
+    <ds:schemaRef ds:uri="http://schemas.microsoft.com/office/2006/documentManagement/types"/>
+    <ds:schemaRef ds:uri="http://schemas.openxmlformats.org/package/2006/metadata/core-properties"/>
+    <ds:schemaRef ds:uri="ae7d7acd-f1bb-43dd-913e-9306b920374d"/>
+    <ds:schemaRef ds:uri="http://purl.org/dc/elements/1.1/"/>
   </ds:schemaRefs>
 </ds:datastoreItem>
 </file>